--- a/ppt/Python_5_List.pptx
+++ b/ppt/Python_5_List.pptx
@@ -274,7 +274,7 @@
           <a:p>
             <a:fld id="{6D290B60-8467-4139-BAE6-BD515294F3BA}" type="datetimeFigureOut">
               <a:rPr lang="ko-KR" altLang="en-US" smtClean="0"/>
-              <a:t>2017-03-10</a:t>
+              <a:t>2018-02-28</a:t>
             </a:fld>
             <a:endParaRPr lang="ko-KR" altLang="en-US"/>
           </a:p>
@@ -444,7 +444,7 @@
           <a:p>
             <a:fld id="{6D290B60-8467-4139-BAE6-BD515294F3BA}" type="datetimeFigureOut">
               <a:rPr lang="ko-KR" altLang="en-US" smtClean="0"/>
-              <a:t>2017-03-10</a:t>
+              <a:t>2018-02-28</a:t>
             </a:fld>
             <a:endParaRPr lang="ko-KR" altLang="en-US"/>
           </a:p>
@@ -624,7 +624,7 @@
           <a:p>
             <a:fld id="{6D290B60-8467-4139-BAE6-BD515294F3BA}" type="datetimeFigureOut">
               <a:rPr lang="ko-KR" altLang="en-US" smtClean="0"/>
-              <a:t>2017-03-10</a:t>
+              <a:t>2018-02-28</a:t>
             </a:fld>
             <a:endParaRPr lang="ko-KR" altLang="en-US"/>
           </a:p>
@@ -794,7 +794,7 @@
           <a:p>
             <a:fld id="{6D290B60-8467-4139-BAE6-BD515294F3BA}" type="datetimeFigureOut">
               <a:rPr lang="ko-KR" altLang="en-US" smtClean="0"/>
-              <a:t>2017-03-10</a:t>
+              <a:t>2018-02-28</a:t>
             </a:fld>
             <a:endParaRPr lang="ko-KR" altLang="en-US"/>
           </a:p>
@@ -1040,7 +1040,7 @@
           <a:p>
             <a:fld id="{6D290B60-8467-4139-BAE6-BD515294F3BA}" type="datetimeFigureOut">
               <a:rPr lang="ko-KR" altLang="en-US" smtClean="0"/>
-              <a:t>2017-03-10</a:t>
+              <a:t>2018-02-28</a:t>
             </a:fld>
             <a:endParaRPr lang="ko-KR" altLang="en-US"/>
           </a:p>
@@ -1272,7 +1272,7 @@
           <a:p>
             <a:fld id="{6D290B60-8467-4139-BAE6-BD515294F3BA}" type="datetimeFigureOut">
               <a:rPr lang="ko-KR" altLang="en-US" smtClean="0"/>
-              <a:t>2017-03-10</a:t>
+              <a:t>2018-02-28</a:t>
             </a:fld>
             <a:endParaRPr lang="ko-KR" altLang="en-US"/>
           </a:p>
@@ -1639,7 +1639,7 @@
           <a:p>
             <a:fld id="{6D290B60-8467-4139-BAE6-BD515294F3BA}" type="datetimeFigureOut">
               <a:rPr lang="ko-KR" altLang="en-US" smtClean="0"/>
-              <a:t>2017-03-10</a:t>
+              <a:t>2018-02-28</a:t>
             </a:fld>
             <a:endParaRPr lang="ko-KR" altLang="en-US"/>
           </a:p>
@@ -1757,7 +1757,7 @@
           <a:p>
             <a:fld id="{6D290B60-8467-4139-BAE6-BD515294F3BA}" type="datetimeFigureOut">
               <a:rPr lang="ko-KR" altLang="en-US" smtClean="0"/>
-              <a:t>2017-03-10</a:t>
+              <a:t>2018-02-28</a:t>
             </a:fld>
             <a:endParaRPr lang="ko-KR" altLang="en-US"/>
           </a:p>
@@ -1852,7 +1852,7 @@
           <a:p>
             <a:fld id="{6D290B60-8467-4139-BAE6-BD515294F3BA}" type="datetimeFigureOut">
               <a:rPr lang="ko-KR" altLang="en-US" smtClean="0"/>
-              <a:t>2017-03-10</a:t>
+              <a:t>2018-02-28</a:t>
             </a:fld>
             <a:endParaRPr lang="ko-KR" altLang="en-US"/>
           </a:p>
@@ -2129,7 +2129,7 @@
           <a:p>
             <a:fld id="{6D290B60-8467-4139-BAE6-BD515294F3BA}" type="datetimeFigureOut">
               <a:rPr lang="ko-KR" altLang="en-US" smtClean="0"/>
-              <a:t>2017-03-10</a:t>
+              <a:t>2018-02-28</a:t>
             </a:fld>
             <a:endParaRPr lang="ko-KR" altLang="en-US"/>
           </a:p>
@@ -2382,7 +2382,7 @@
           <a:p>
             <a:fld id="{6D290B60-8467-4139-BAE6-BD515294F3BA}" type="datetimeFigureOut">
               <a:rPr lang="ko-KR" altLang="en-US" smtClean="0"/>
-              <a:t>2017-03-10</a:t>
+              <a:t>2018-02-28</a:t>
             </a:fld>
             <a:endParaRPr lang="ko-KR" altLang="en-US"/>
           </a:p>
@@ -2595,7 +2595,7 @@
           <a:p>
             <a:fld id="{6D290B60-8467-4139-BAE6-BD515294F3BA}" type="datetimeFigureOut">
               <a:rPr lang="ko-KR" altLang="en-US" smtClean="0"/>
-              <a:t>2017-03-10</a:t>
+              <a:t>2018-02-28</a:t>
             </a:fld>
             <a:endParaRPr lang="ko-KR" altLang="en-US"/>
           </a:p>
@@ -3167,7 +3167,7 @@
               <a:rPr lang="en-US" altLang="ko-KR" spc="-150" dirty="0" smtClean="0">
                 <a:latin typeface="Consolas" panose="020B0609020204030204" pitchFamily="49" charset="0"/>
               </a:rPr>
-              <a:t>print L1</a:t>
+              <a:t>print(L1)</a:t>
             </a:r>
           </a:p>
           <a:p>
@@ -3184,7 +3184,7 @@
               <a:rPr lang="en-US" altLang="ko-KR" spc="-150" dirty="0" smtClean="0">
                 <a:latin typeface="Consolas" panose="020B0609020204030204" pitchFamily="49" charset="0"/>
               </a:rPr>
-              <a:t>print L2</a:t>
+              <a:t>print(L2)</a:t>
             </a:r>
           </a:p>
           <a:p>
@@ -3363,7 +3363,7 @@
               <a:rPr lang="en-US" altLang="ko-KR" spc="-150" dirty="0" smtClean="0">
                 <a:latin typeface="Consolas" panose="020B0609020204030204" pitchFamily="49" charset="0"/>
               </a:rPr>
-              <a:t>print 'L1 = ', L1</a:t>
+              <a:t>print('L1 = ', L1)</a:t>
             </a:r>
             <a:endParaRPr lang="ko-KR" altLang="en-US" spc="-150" dirty="0">
               <a:latin typeface="Consolas" panose="020B0609020204030204" pitchFamily="49" charset="0"/>
@@ -3503,10 +3503,22 @@
           </a:p>
           <a:p>
             <a:r>
+              <a:rPr lang="en-US" altLang="ko-KR" spc="-150" dirty="0" smtClean="0">
+                <a:latin typeface="Consolas" panose="020B0609020204030204" pitchFamily="49" charset="0"/>
+              </a:rPr>
+              <a:t>print('L1 </a:t>
+            </a:r>
+            <a:r>
               <a:rPr lang="en-US" altLang="ko-KR" spc="-150" dirty="0">
                 <a:latin typeface="Consolas" panose="020B0609020204030204" pitchFamily="49" charset="0"/>
               </a:rPr>
-              <a:t>print 'L1 = ', L1</a:t>
+              <a:t>= ', </a:t>
+            </a:r>
+            <a:r>
+              <a:rPr lang="en-US" altLang="ko-KR" spc="-150" dirty="0" smtClean="0">
+                <a:latin typeface="Consolas" panose="020B0609020204030204" pitchFamily="49" charset="0"/>
+              </a:rPr>
+              <a:t>L1)</a:t>
             </a:r>
             <a:endParaRPr lang="ko-KR" altLang="en-US" spc="-150" dirty="0">
               <a:latin typeface="Consolas" panose="020B0609020204030204" pitchFamily="49" charset="0"/>
@@ -3640,7 +3652,7 @@
               <a:rPr lang="en-US" altLang="ko-KR" dirty="0" smtClean="0">
                 <a:latin typeface="Consolas" panose="020B0609020204030204" pitchFamily="49" charset="0"/>
               </a:rPr>
-              <a:t>print </a:t>
+              <a:t>print(</a:t>
             </a:r>
             <a:r>
               <a:rPr lang="en-US" altLang="ko-KR" dirty="0" err="1" smtClean="0">
@@ -3652,7 +3664,7 @@
               <a:rPr lang="en-US" altLang="ko-KR" dirty="0" smtClean="0">
                 <a:latin typeface="Consolas" panose="020B0609020204030204" pitchFamily="49" charset="0"/>
               </a:rPr>
-              <a:t>[0]</a:t>
+              <a:t>[0])</a:t>
             </a:r>
           </a:p>
           <a:p>
@@ -3933,13 +3945,7 @@
               <a:rPr lang="en-US" altLang="ko-KR" spc="-150" dirty="0" smtClean="0">
                 <a:latin typeface="Consolas" panose="020B0609020204030204" pitchFamily="49" charset="0"/>
               </a:rPr>
-              <a:t>y = x + [4, 5, 6]   # y is [1, 2, 3, 4, 5, 6], </a:t>
-            </a:r>
-            <a:r>
-              <a:rPr lang="en-US" altLang="ko-KR" spc="-150" dirty="0" smtClean="0">
-                <a:latin typeface="Consolas" panose="020B0609020204030204" pitchFamily="49" charset="0"/>
-              </a:rPr>
-              <a:t>x</a:t>
+              <a:t>y = x + [4, 5, 6]   # y is [1, 2, 3, 4, 5, 6], x</a:t>
             </a:r>
             <a:r>
               <a:rPr lang="ko-KR" altLang="en-US" spc="-150" dirty="0" smtClean="0">
@@ -4047,18 +4053,20 @@
         <p:spPr>
           <a:xfrm>
             <a:off x="838200" y="365125"/>
-            <a:ext cx="10515600" cy="771697"/>
+            <a:ext cx="10515600" cy="565701"/>
           </a:xfrm>
         </p:spPr>
         <p:txBody>
-          <a:bodyPr/>
-          <a:lstStyle/>
-          <a:p>
-            <a:r>
-              <a:rPr lang="en-US" altLang="ko-KR" dirty="0" smtClean="0"/>
+          <a:bodyPr>
+            <a:normAutofit fontScale="90000"/>
+          </a:bodyPr>
+          <a:lstStyle/>
+          <a:p>
+            <a:r>
+              <a:rPr lang="en-US" altLang="ko-KR" sz="3600" dirty="0" smtClean="0"/>
               <a:t>List comprehension</a:t>
             </a:r>
-            <a:endParaRPr lang="ko-KR" altLang="en-US" dirty="0"/>
+            <a:endParaRPr lang="ko-KR" altLang="en-US" sz="3600" dirty="0"/>
           </a:p>
         </p:txBody>
       </p:sp>
@@ -4074,13 +4082,13 @@
         </p:nvSpPr>
         <p:spPr>
           <a:xfrm>
-            <a:off x="838200" y="1301578"/>
-            <a:ext cx="10515600" cy="4875385"/>
+            <a:off x="838200" y="1023910"/>
+            <a:ext cx="10515600" cy="5153054"/>
           </a:xfrm>
         </p:spPr>
         <p:txBody>
           <a:bodyPr>
-            <a:normAutofit fontScale="70000" lnSpcReduction="20000"/>
+            <a:normAutofit fontScale="77500" lnSpcReduction="20000"/>
           </a:bodyPr>
           <a:lstStyle/>
           <a:p>
@@ -4277,28 +4285,28 @@
               </a:rPr>
               <a:t>mixed = [1, 2, 'a', 3, 4.0]</a:t>
             </a:r>
-            <a:br>
+          </a:p>
+          <a:p>
+            <a:pPr marL="0" indent="0">
+              <a:buNone/>
+            </a:pPr>
+            <a:r>
               <a:rPr lang="en-US" altLang="ko-KR" sz="3000" spc="-150" dirty="0" smtClean="0">
                 <a:latin typeface="Consolas" panose="020B0609020204030204" pitchFamily="49" charset="0"/>
               </a:rPr>
-            </a:br>
+              <a:t>print([x**2 for x in mixed if type(x) == </a:t>
+            </a:r>
+            <a:r>
+              <a:rPr lang="en-US" altLang="ko-KR" sz="3000" spc="-150" dirty="0" err="1" smtClean="0">
+                <a:latin typeface="Consolas" panose="020B0609020204030204" pitchFamily="49" charset="0"/>
+              </a:rPr>
+              <a:t>int</a:t>
+            </a:r>
             <a:r>
               <a:rPr lang="en-US" altLang="ko-KR" sz="3000" spc="-150" dirty="0" smtClean="0">
                 <a:latin typeface="Consolas" panose="020B0609020204030204" pitchFamily="49" charset="0"/>
               </a:rPr>
-              <a:t>print [x**2 for x in mixed if type(x) == </a:t>
-            </a:r>
-            <a:r>
-              <a:rPr lang="en-US" altLang="ko-KR" sz="3000" spc="-150" dirty="0" err="1" smtClean="0">
-                <a:latin typeface="Consolas" panose="020B0609020204030204" pitchFamily="49" charset="0"/>
-              </a:rPr>
-              <a:t>int</a:t>
-            </a:r>
-            <a:r>
-              <a:rPr lang="en-US" altLang="ko-KR" sz="3000" spc="-150" dirty="0" smtClean="0">
-                <a:latin typeface="Consolas" panose="020B0609020204030204" pitchFamily="49" charset="0"/>
-              </a:rPr>
-              <a:t>]</a:t>
+              <a:t>])</a:t>
             </a:r>
           </a:p>
           <a:p>
@@ -4752,23 +4760,23 @@
               <a:rPr lang="en-US" altLang="ko-KR" spc="-150" dirty="0" smtClean="0">
                 <a:latin typeface="Consolas" panose="020B0609020204030204" pitchFamily="49" charset="0"/>
               </a:rPr>
-              <a:t>print t1</a:t>
-            </a:r>
-          </a:p>
-          <a:p>
-            <a:r>
-              <a:rPr lang="en-US" altLang="ko-KR" spc="-150" dirty="0" smtClean="0">
-                <a:latin typeface="Consolas" panose="020B0609020204030204" pitchFamily="49" charset="0"/>
-              </a:rPr>
-              <a:t>print t2</a:t>
-            </a:r>
-          </a:p>
-          <a:p>
-            <a:r>
-              <a:rPr lang="en-US" altLang="ko-KR" spc="-150" dirty="0" smtClean="0">
-                <a:latin typeface="Consolas" panose="020B0609020204030204" pitchFamily="49" charset="0"/>
-              </a:rPr>
-              <a:t>print t3</a:t>
+              <a:t>print(t1)</a:t>
+            </a:r>
+          </a:p>
+          <a:p>
+            <a:r>
+              <a:rPr lang="en-US" altLang="ko-KR" spc="-150" dirty="0" smtClean="0">
+                <a:latin typeface="Consolas" panose="020B0609020204030204" pitchFamily="49" charset="0"/>
+              </a:rPr>
+              <a:t>print(t2)</a:t>
+            </a:r>
+          </a:p>
+          <a:p>
+            <a:r>
+              <a:rPr lang="en-US" altLang="ko-KR" spc="-150" dirty="0" smtClean="0">
+                <a:latin typeface="Consolas" panose="020B0609020204030204" pitchFamily="49" charset="0"/>
+              </a:rPr>
+              <a:t>print(t3)</a:t>
             </a:r>
           </a:p>
         </p:txBody>
@@ -4808,37 +4816,64 @@
               <a:rPr lang="en-US" altLang="ko-KR" spc="-150" dirty="0" smtClean="0">
                 <a:latin typeface="Consolas" panose="020B0609020204030204" pitchFamily="49" charset="0"/>
               </a:rPr>
-              <a:t>print t2</a:t>
-            </a:r>
-          </a:p>
-          <a:p>
-            <a:r>
-              <a:rPr lang="en-US" altLang="ko-KR" spc="-150" dirty="0" smtClean="0">
-                <a:latin typeface="Consolas" panose="020B0609020204030204" pitchFamily="49" charset="0"/>
-              </a:rPr>
-              <a:t>print </a:t>
+              <a:t>print(t2)</a:t>
+            </a:r>
+          </a:p>
+          <a:p>
+            <a:r>
+              <a:rPr lang="en-US" altLang="ko-KR" spc="-150" dirty="0" smtClean="0">
+                <a:latin typeface="Consolas" panose="020B0609020204030204" pitchFamily="49" charset="0"/>
+              </a:rPr>
+              <a:t>print(t1 </a:t>
             </a:r>
             <a:r>
               <a:rPr lang="en-US" altLang="ko-KR" spc="-150" dirty="0">
                 <a:latin typeface="Consolas" panose="020B0609020204030204" pitchFamily="49" charset="0"/>
               </a:rPr>
-              <a:t>(t1 + t2)</a:t>
-            </a:r>
-          </a:p>
-          <a:p>
+              <a:t>+ t2)</a:t>
+            </a:r>
+          </a:p>
+          <a:p>
+            <a:r>
+              <a:rPr lang="en-US" altLang="ko-KR" spc="-150" dirty="0" smtClean="0">
+                <a:latin typeface="Consolas" panose="020B0609020204030204" pitchFamily="49" charset="0"/>
+              </a:rPr>
+              <a:t>print((t1 </a:t>
+            </a:r>
             <a:r>
               <a:rPr lang="en-US" altLang="ko-KR" spc="-150" dirty="0">
                 <a:latin typeface="Consolas" panose="020B0609020204030204" pitchFamily="49" charset="0"/>
               </a:rPr>
-              <a:t>print (t1 + t2)[3]</a:t>
-            </a:r>
-          </a:p>
-          <a:p>
+              <a:t>+ t2)[3</a:t>
+            </a:r>
+            <a:r>
+              <a:rPr lang="en-US" altLang="ko-KR" spc="-150" dirty="0" smtClean="0">
+                <a:latin typeface="Consolas" panose="020B0609020204030204" pitchFamily="49" charset="0"/>
+              </a:rPr>
+              <a:t>])</a:t>
+            </a:r>
+            <a:endParaRPr lang="en-US" altLang="ko-KR" spc="-150" dirty="0">
+              <a:latin typeface="Consolas" panose="020B0609020204030204" pitchFamily="49" charset="0"/>
+            </a:endParaRPr>
+          </a:p>
+          <a:p>
+            <a:r>
+              <a:rPr lang="en-US" altLang="ko-KR" spc="-150" dirty="0" smtClean="0">
+                <a:latin typeface="Consolas" panose="020B0609020204030204" pitchFamily="49" charset="0"/>
+              </a:rPr>
+              <a:t>print((t1 </a:t>
+            </a:r>
             <a:r>
               <a:rPr lang="en-US" altLang="ko-KR" spc="-150" dirty="0">
                 <a:latin typeface="Consolas" panose="020B0609020204030204" pitchFamily="49" charset="0"/>
               </a:rPr>
-              <a:t>print (t1 + t2)[2:5]</a:t>
+              <a:t>+ t2)[2:5</a:t>
+            </a:r>
+            <a:r>
+              <a:rPr lang="en-US" altLang="ko-KR" spc="-150" dirty="0" smtClean="0">
+                <a:latin typeface="Consolas" panose="020B0609020204030204" pitchFamily="49" charset="0"/>
+              </a:rPr>
+              <a:t>])</a:t>
             </a:r>
             <a:endParaRPr lang="ko-KR" altLang="en-US" spc="-150" dirty="0">
               <a:latin typeface="Consolas" panose="020B0609020204030204" pitchFamily="49" charset="0"/>
@@ -5074,10 +5109,16 @@
               </a:rPr>
             </a:br>
             <a:r>
-              <a:rPr lang="en-US" altLang="ko-KR" spc="-150" dirty="0" smtClean="0">
-                <a:latin typeface="Consolas" panose="020B0609020204030204" pitchFamily="49" charset="0"/>
-              </a:rPr>
-              <a:t>print divisors</a:t>
+              <a:rPr lang="en-US" altLang="ko-KR" spc="-150" dirty="0" err="1" smtClean="0">
+                <a:latin typeface="Consolas" panose="020B0609020204030204" pitchFamily="49" charset="0"/>
+              </a:rPr>
+              <a:t>prin</a:t>
+            </a:r>
+            <a:r>
+              <a:rPr lang="en-US" altLang="ko-KR" spc="-150" dirty="0" smtClean="0">
+                <a:latin typeface="Consolas" panose="020B0609020204030204" pitchFamily="49" charset="0"/>
+              </a:rPr>
+              <a:t>(divisors)</a:t>
             </a:r>
           </a:p>
         </p:txBody>
@@ -5203,7 +5244,7 @@
               <a:rPr lang="en-US" altLang="ko-KR" spc="-150" dirty="0" smtClean="0">
                 <a:latin typeface="Consolas" panose="020B0609020204030204" pitchFamily="49" charset="0"/>
               </a:rPr>
-              <a:t>	print x</a:t>
+              <a:t>	print(x)</a:t>
             </a:r>
           </a:p>
           <a:p>
@@ -5236,9 +5277,6 @@
               </a:rPr>
               <a:t>()</a:t>
             </a:r>
-            <a:endParaRPr lang="en-US" altLang="ko-KR" spc="-150" dirty="0" smtClean="0">
-              <a:latin typeface="Consolas" panose="020B0609020204030204" pitchFamily="49" charset="0"/>
-            </a:endParaRPr>
           </a:p>
           <a:p>
             <a:r>
@@ -5268,7 +5306,7 @@
               <a:rPr lang="en-US" altLang="ko-KR" spc="-150" dirty="0" smtClean="0">
                 <a:latin typeface="Consolas" panose="020B0609020204030204" pitchFamily="49" charset="0"/>
               </a:rPr>
-              <a:t>	print student</a:t>
+              <a:t>	print(student)</a:t>
             </a:r>
           </a:p>
         </p:txBody>
@@ -5401,7 +5439,7 @@
               <a:rPr lang="en-US" altLang="ko-KR" spc="-150" dirty="0" smtClean="0">
                 <a:latin typeface="Consolas" panose="020B0609020204030204" pitchFamily="49" charset="0"/>
               </a:rPr>
-              <a:t>	print index, value</a:t>
+              <a:t>	print(index, value)</a:t>
             </a:r>
           </a:p>
           <a:p>
@@ -7041,7 +7079,7 @@
               <a:rPr lang="en-US" altLang="ko-KR" spc="-150" dirty="0" smtClean="0">
                 <a:latin typeface="Consolas" panose="020B0609020204030204" pitchFamily="49" charset="0"/>
               </a:rPr>
-              <a:t>	print key, scores[key]</a:t>
+              <a:t>	print(key, scores[key])</a:t>
             </a:r>
           </a:p>
           <a:p>
@@ -7656,7 +7694,19 @@
             </a:r>
             <a:r>
               <a:rPr lang="en-US" altLang="ko-KR" dirty="0" smtClean="0"/>
-              <a:t>range(1000000)</a:t>
+              <a:t>python2</a:t>
+            </a:r>
+            <a:r>
+              <a:rPr lang="ko-KR" altLang="en-US" smtClean="0"/>
+              <a:t>에서 </a:t>
+            </a:r>
+            <a:r>
+              <a:rPr lang="en-US" altLang="ko-KR" smtClean="0"/>
+              <a:t>range(1000000</a:t>
+            </a:r>
+            <a:r>
+              <a:rPr lang="en-US" altLang="ko-KR" dirty="0" smtClean="0"/>
+              <a:t>)</a:t>
             </a:r>
             <a:r>
               <a:rPr lang="ko-KR" altLang="en-US" dirty="0" smtClean="0"/>
@@ -8753,7 +8803,7 @@
         <p:spPr/>
         <p:txBody>
           <a:bodyPr>
-            <a:normAutofit lnSpcReduction="10000"/>
+            <a:normAutofit/>
           </a:bodyPr>
           <a:lstStyle/>
           <a:p>
@@ -8763,17 +8813,31 @@
             </a:r>
             <a:r>
               <a:rPr lang="ko-KR" altLang="en-US" dirty="0" smtClean="0"/>
+              <a:t>의 </a:t>
+            </a:r>
+            <a:r>
+              <a:rPr lang="en-US" altLang="ko-KR" spc="-150" dirty="0" smtClean="0">
+                <a:latin typeface="Consolas" panose="020B0609020204030204" pitchFamily="49" charset="0"/>
+              </a:rPr>
+              <a:t>items</a:t>
+            </a:r>
+            <a:r>
+              <a:rPr lang="en-US" altLang="ko-KR" spc="-150" dirty="0" smtClean="0">
+                <a:latin typeface="Consolas" panose="020B0609020204030204" pitchFamily="49" charset="0"/>
+              </a:rPr>
+              <a:t>() </a:t>
+            </a:r>
+            <a:r>
+              <a:rPr lang="en-US" altLang="ko-KR" dirty="0" smtClean="0"/>
+              <a:t>method</a:t>
+            </a:r>
+            <a:r>
+              <a:rPr lang="ko-KR" altLang="en-US" dirty="0" smtClean="0"/>
               <a:t>는 </a:t>
             </a:r>
             <a:r>
-              <a:rPr lang="en-US" altLang="ko-KR" spc="-150" dirty="0" smtClean="0">
-                <a:latin typeface="Consolas" panose="020B0609020204030204" pitchFamily="49" charset="0"/>
-              </a:rPr>
-              <a:t>items()</a:t>
-            </a:r>
-            <a:r>
-              <a:rPr lang="en-US" altLang="ko-KR" dirty="0" smtClean="0"/>
-              <a:t> method</a:t>
+              <a:rPr lang="en-US" altLang="ko-KR" dirty="0" smtClean="0"/>
+              <a:t>yield</a:t>
             </a:r>
             <a:r>
               <a:rPr lang="ko-KR" altLang="en-US" dirty="0" smtClean="0"/>
@@ -8785,199 +8849,100 @@
             </a:r>
             <a:r>
               <a:rPr lang="ko-KR" altLang="en-US" dirty="0" smtClean="0"/>
-              <a:t>리스트를 반환</a:t>
+              <a:t>형태의 </a:t>
+            </a:r>
+            <a:r>
+              <a:rPr lang="en-US" altLang="ko-KR" dirty="0" smtClean="0"/>
+              <a:t>generator</a:t>
+            </a:r>
+            <a:r>
+              <a:rPr lang="ko-KR" altLang="en-US" dirty="0" smtClean="0"/>
+              <a:t>를 반환</a:t>
             </a:r>
             <a:endParaRPr lang="en-US" altLang="ko-KR" dirty="0" smtClean="0"/>
           </a:p>
           <a:p>
-            <a:r>
-              <a:rPr lang="ko-KR" altLang="en-US" dirty="0" smtClean="0"/>
-              <a:t>한편 </a:t>
-            </a:r>
-            <a:r>
-              <a:rPr lang="en-US" altLang="ko-KR" dirty="0" err="1" smtClean="0"/>
-              <a:t>dict</a:t>
-            </a:r>
-            <a:r>
-              <a:rPr lang="ko-KR" altLang="en-US" dirty="0" smtClean="0"/>
-              <a:t>의 </a:t>
+            <a:endParaRPr lang="en-US" altLang="ko-KR" dirty="0" smtClean="0"/>
+          </a:p>
+          <a:p>
+            <a:r>
+              <a:rPr lang="en-US" altLang="ko-KR" spc="-150" dirty="0" smtClean="0">
+                <a:latin typeface="Consolas" panose="020B0609020204030204" pitchFamily="49" charset="0"/>
+              </a:rPr>
+              <a:t>knights </a:t>
+            </a:r>
+            <a:r>
+              <a:rPr lang="en-US" altLang="ko-KR" spc="-150" dirty="0">
+                <a:latin typeface="Consolas" panose="020B0609020204030204" pitchFamily="49" charset="0"/>
+              </a:rPr>
+              <a:t>= {'</a:t>
+            </a:r>
+            <a:r>
+              <a:rPr lang="en-US" altLang="ko-KR" spc="-150" dirty="0" err="1">
+                <a:latin typeface="Consolas" panose="020B0609020204030204" pitchFamily="49" charset="0"/>
+              </a:rPr>
+              <a:t>gallahad</a:t>
+            </a:r>
+            <a:r>
+              <a:rPr lang="en-US" altLang="ko-KR" spc="-150" dirty="0">
+                <a:latin typeface="Consolas" panose="020B0609020204030204" pitchFamily="49" charset="0"/>
+              </a:rPr>
+              <a:t>': 'the pure', 'robin': 'the brave'}</a:t>
+            </a:r>
+          </a:p>
+          <a:p>
+            <a:r>
+              <a:rPr lang="en-US" altLang="ko-KR" spc="-150" dirty="0" smtClean="0">
+                <a:latin typeface="Consolas" panose="020B0609020204030204" pitchFamily="49" charset="0"/>
+              </a:rPr>
+              <a:t>for </a:t>
+            </a:r>
+            <a:r>
+              <a:rPr lang="en-US" altLang="ko-KR" spc="-150" dirty="0">
+                <a:latin typeface="Consolas" panose="020B0609020204030204" pitchFamily="49" charset="0"/>
+              </a:rPr>
+              <a:t>k, v in </a:t>
             </a:r>
             <a:r>
               <a:rPr lang="en-US" altLang="ko-KR" spc="-150" dirty="0" err="1" smtClean="0">
                 <a:latin typeface="Consolas" panose="020B0609020204030204" pitchFamily="49" charset="0"/>
               </a:rPr>
-              <a:t>iteritems</a:t>
-            </a:r>
-            <a:r>
-              <a:rPr lang="en-US" altLang="ko-KR" spc="-150" dirty="0" smtClean="0">
-                <a:latin typeface="Consolas" panose="020B0609020204030204" pitchFamily="49" charset="0"/>
-              </a:rPr>
-              <a:t>() </a:t>
-            </a:r>
-            <a:r>
-              <a:rPr lang="en-US" altLang="ko-KR" dirty="0" smtClean="0"/>
-              <a:t>method</a:t>
-            </a:r>
-            <a:r>
-              <a:rPr lang="ko-KR" altLang="en-US" dirty="0" smtClean="0"/>
-              <a:t>는 </a:t>
-            </a:r>
-            <a:r>
-              <a:rPr lang="en-US" altLang="ko-KR" dirty="0" smtClean="0"/>
-              <a:t>yield</a:t>
-            </a:r>
-            <a:r>
-              <a:rPr lang="ko-KR" altLang="en-US" dirty="0" smtClean="0"/>
-              <a:t>를 이용하여 </a:t>
-            </a:r>
-            <a:r>
-              <a:rPr lang="en-US" altLang="ko-KR" dirty="0" smtClean="0"/>
-              <a:t>key-value </a:t>
-            </a:r>
-            <a:r>
-              <a:rPr lang="ko-KR" altLang="en-US" dirty="0" smtClean="0"/>
-              <a:t>형태의 </a:t>
-            </a:r>
-            <a:r>
-              <a:rPr lang="en-US" altLang="ko-KR" dirty="0" smtClean="0"/>
-              <a:t>generator</a:t>
-            </a:r>
-            <a:r>
-              <a:rPr lang="ko-KR" altLang="en-US" dirty="0" smtClean="0"/>
-              <a:t>를 반환</a:t>
-            </a:r>
-            <a:endParaRPr lang="en-US" altLang="ko-KR" dirty="0" smtClean="0"/>
-          </a:p>
-          <a:p>
-            <a:endParaRPr lang="en-US" altLang="ko-KR" dirty="0" smtClean="0"/>
-          </a:p>
-          <a:p>
-            <a:r>
-              <a:rPr lang="en-US" altLang="ko-KR" spc="-150" dirty="0" smtClean="0">
-                <a:latin typeface="Consolas" panose="020B0609020204030204" pitchFamily="49" charset="0"/>
-              </a:rPr>
-              <a:t>knights </a:t>
+              <a:t>knights.items</a:t>
+            </a:r>
+            <a:r>
+              <a:rPr lang="en-US" altLang="ko-KR" spc="-150" dirty="0" smtClean="0">
+                <a:latin typeface="Consolas" panose="020B0609020204030204" pitchFamily="49" charset="0"/>
+              </a:rPr>
+              <a:t>():</a:t>
+            </a:r>
+            <a:br>
+              <a:rPr lang="en-US" altLang="ko-KR" spc="-150" dirty="0" smtClean="0">
+                <a:latin typeface="Consolas" panose="020B0609020204030204" pitchFamily="49" charset="0"/>
+              </a:rPr>
+            </a:br>
+            <a:r>
+              <a:rPr lang="en-US" altLang="ko-KR" spc="-150" dirty="0" smtClean="0">
+                <a:latin typeface="Consolas" panose="020B0609020204030204" pitchFamily="49" charset="0"/>
+              </a:rPr>
+              <a:t>	print(k</a:t>
             </a:r>
             <a:r>
               <a:rPr lang="en-US" altLang="ko-KR" spc="-150" dirty="0">
                 <a:latin typeface="Consolas" panose="020B0609020204030204" pitchFamily="49" charset="0"/>
               </a:rPr>
-              <a:t>= {'</a:t>
-            </a:r>
-            <a:r>
-              <a:rPr lang="en-US" altLang="ko-KR" spc="-150" dirty="0" err="1">
-                <a:latin typeface="Consolas" panose="020B0609020204030204" pitchFamily="49" charset="0"/>
-              </a:rPr>
-              <a:t>gallahad</a:t>
-            </a:r>
-            <a:r>
-              <a:rPr lang="en-US" altLang="ko-KR" spc="-150" dirty="0">
-                <a:latin typeface="Consolas" panose="020B0609020204030204" pitchFamily="49" charset="0"/>
-              </a:rPr>
-              <a:t>': 'the pure', 'robin': 'the brave'}</a:t>
-            </a:r>
-          </a:p>
-          <a:p>
-            <a:r>
-              <a:rPr lang="en-US" altLang="ko-KR" spc="-150" dirty="0" smtClean="0">
-                <a:latin typeface="Consolas" panose="020B0609020204030204" pitchFamily="49" charset="0"/>
-              </a:rPr>
-              <a:t>for </a:t>
-            </a:r>
-            <a:r>
-              <a:rPr lang="en-US" altLang="ko-KR" spc="-150" dirty="0">
-                <a:latin typeface="Consolas" panose="020B0609020204030204" pitchFamily="49" charset="0"/>
-              </a:rPr>
-              <a:t>k, v in </a:t>
-            </a:r>
-            <a:r>
-              <a:rPr lang="en-US" altLang="ko-KR" spc="-150" dirty="0" err="1">
-                <a:latin typeface="Consolas" panose="020B0609020204030204" pitchFamily="49" charset="0"/>
-              </a:rPr>
-              <a:t>knights.iteritems</a:t>
-            </a:r>
-            <a:r>
-              <a:rPr lang="en-US" altLang="ko-KR" spc="-150" dirty="0" smtClean="0">
-                <a:latin typeface="Consolas" panose="020B0609020204030204" pitchFamily="49" charset="0"/>
-              </a:rPr>
-              <a:t>():</a:t>
-            </a:r>
-            <a:br>
-              <a:rPr lang="en-US" altLang="ko-KR" spc="-150" dirty="0" smtClean="0">
-                <a:latin typeface="Consolas" panose="020B0609020204030204" pitchFamily="49" charset="0"/>
-              </a:rPr>
-            </a:br>
-            <a:r>
-              <a:rPr lang="en-US" altLang="ko-KR" spc="-150" dirty="0" smtClean="0">
-                <a:latin typeface="Consolas" panose="020B0609020204030204" pitchFamily="49" charset="0"/>
-              </a:rPr>
-              <a:t>	print </a:t>
-            </a:r>
-            <a:r>
-              <a:rPr lang="en-US" altLang="ko-KR" spc="-150" dirty="0">
-                <a:latin typeface="Consolas" panose="020B0609020204030204" pitchFamily="49" charset="0"/>
-              </a:rPr>
-              <a:t>k, </a:t>
-            </a:r>
-            <a:r>
-              <a:rPr lang="en-US" altLang="ko-KR" spc="-150" dirty="0" smtClean="0">
-                <a:latin typeface="Consolas" panose="020B0609020204030204" pitchFamily="49" charset="0"/>
-              </a:rPr>
-              <a:t>v</a:t>
-            </a:r>
-          </a:p>
-          <a:p>
-            <a:r>
-              <a:rPr lang="ko-KR" altLang="en-US" dirty="0" smtClean="0"/>
-              <a:t>같은 역할을 하지만 조금 효율이 떨어질 수 있음</a:t>
-            </a:r>
-            <a:r>
-              <a:rPr lang="en-US" altLang="ko-KR" dirty="0" smtClean="0"/>
-              <a:t>:</a:t>
-            </a:r>
-            <a:br>
-              <a:rPr lang="en-US" altLang="ko-KR" dirty="0" smtClean="0"/>
-            </a:br>
-            <a:r>
-              <a:rPr lang="en-US" altLang="ko-KR" spc="-150" dirty="0" smtClean="0">
-                <a:latin typeface="Consolas" panose="020B0609020204030204" pitchFamily="49" charset="0"/>
-              </a:rPr>
-              <a:t>for </a:t>
-            </a:r>
-            <a:r>
-              <a:rPr lang="en-US" altLang="ko-KR" spc="-150" dirty="0">
-                <a:latin typeface="Consolas" panose="020B0609020204030204" pitchFamily="49" charset="0"/>
-              </a:rPr>
-              <a:t>k, v in </a:t>
-            </a:r>
-            <a:r>
-              <a:rPr lang="en-US" altLang="ko-KR" spc="-150" dirty="0" err="1" smtClean="0">
-                <a:latin typeface="Consolas" panose="020B0609020204030204" pitchFamily="49" charset="0"/>
-              </a:rPr>
-              <a:t>knights.items</a:t>
-            </a:r>
-            <a:r>
-              <a:rPr lang="en-US" altLang="ko-KR" spc="-150" dirty="0">
-                <a:latin typeface="Consolas" panose="020B0609020204030204" pitchFamily="49" charset="0"/>
-              </a:rPr>
-              <a:t>():</a:t>
-            </a:r>
-            <a:br>
-              <a:rPr lang="en-US" altLang="ko-KR" spc="-150" dirty="0">
-                <a:latin typeface="Consolas" panose="020B0609020204030204" pitchFamily="49" charset="0"/>
-              </a:rPr>
-            </a:br>
-            <a:r>
-              <a:rPr lang="en-US" altLang="ko-KR" spc="-150" dirty="0">
-                <a:latin typeface="Consolas" panose="020B0609020204030204" pitchFamily="49" charset="0"/>
-              </a:rPr>
-              <a:t>	print k, v</a:t>
-            </a:r>
-            <a:endParaRPr lang="ko-KR" altLang="en-US" spc="-150" dirty="0">
-              <a:latin typeface="Consolas" panose="020B0609020204030204" pitchFamily="49" charset="0"/>
-            </a:endParaRPr>
-          </a:p>
-          <a:p>
+              <a:t>, </a:t>
+            </a:r>
+            <a:r>
+              <a:rPr lang="en-US" altLang="ko-KR" spc="-150" dirty="0" smtClean="0">
+                <a:latin typeface="Consolas" panose="020B0609020204030204" pitchFamily="49" charset="0"/>
+              </a:rPr>
+              <a:t>v)</a:t>
+            </a:r>
+          </a:p>
+          <a:p>
+            <a:pPr marL="0" indent="0">
+              <a:buNone/>
+            </a:pPr>
             <a:endParaRPr lang="ko-KR" altLang="en-US" dirty="0"/>
           </a:p>
         </p:txBody>
@@ -10175,13 +10140,7 @@
               <a:rPr lang="en-US" altLang="ko-KR" spc="-150" dirty="0" smtClean="0">
                 <a:latin typeface="Consolas" panose="020B0609020204030204" pitchFamily="49" charset="0"/>
               </a:rPr>
-              <a:t>squares[1:2</a:t>
-            </a:r>
-            <a:r>
-              <a:rPr lang="en-US" altLang="ko-KR" spc="-150" dirty="0" smtClean="0">
-                <a:latin typeface="Consolas" panose="020B0609020204030204" pitchFamily="49" charset="0"/>
-              </a:rPr>
-              <a:t>] </a:t>
+              <a:t>squares[1:2] </a:t>
             </a:r>
             <a:r>
               <a:rPr lang="en-US" altLang="ko-KR" spc="-150" dirty="0">
@@ -10733,7 +10692,7 @@
               <a:rPr lang="en-US" altLang="ko-KR" spc="-150" dirty="0" smtClean="0">
                 <a:latin typeface="Consolas" panose="020B0609020204030204" pitchFamily="49" charset="0"/>
               </a:rPr>
-              <a:t>print L1</a:t>
+              <a:t>print(L1)</a:t>
             </a:r>
           </a:p>
           <a:p>
@@ -10750,7 +10709,7 @@
               <a:rPr lang="en-US" altLang="ko-KR" spc="-150" dirty="0" smtClean="0">
                 <a:latin typeface="Consolas" panose="020B0609020204030204" pitchFamily="49" charset="0"/>
               </a:rPr>
-              <a:t>print L2</a:t>
+              <a:t>print(L2)</a:t>
             </a:r>
           </a:p>
           <a:p>
@@ -10901,28 +10860,34 @@
               </a:rPr>
             </a:br>
             <a:r>
+              <a:rPr lang="en-US" altLang="ko-KR" spc="-150" dirty="0" smtClean="0">
+                <a:latin typeface="Consolas" panose="020B0609020204030204" pitchFamily="49" charset="0"/>
+              </a:rPr>
+              <a:t>print(L1)</a:t>
+            </a:r>
+            <a:endParaRPr lang="en-US" altLang="ko-KR" spc="-150" dirty="0">
+              <a:latin typeface="Consolas" panose="020B0609020204030204" pitchFamily="49" charset="0"/>
+            </a:endParaRPr>
+          </a:p>
+          <a:p>
+            <a:pPr lvl="1"/>
+            <a:r>
               <a:rPr lang="en-US" altLang="ko-KR" spc="-150" dirty="0">
                 <a:latin typeface="Consolas" panose="020B0609020204030204" pitchFamily="49" charset="0"/>
               </a:rPr>
-              <a:t>print L1</a:t>
-            </a:r>
-          </a:p>
-          <a:p>
-            <a:pPr lvl="1"/>
-            <a:r>
-              <a:rPr lang="en-US" altLang="ko-KR" spc="-150" dirty="0">
-                <a:latin typeface="Consolas" panose="020B0609020204030204" pitchFamily="49" charset="0"/>
-              </a:rPr>
               <a:t>[4, 5, 6]</a:t>
             </a:r>
           </a:p>
           <a:p>
             <a:r>
-              <a:rPr lang="en-US" altLang="ko-KR" spc="-150" dirty="0">
-                <a:latin typeface="Consolas" panose="020B0609020204030204" pitchFamily="49" charset="0"/>
-              </a:rPr>
-              <a:t>print L2</a:t>
-            </a:r>
+              <a:rPr lang="en-US" altLang="ko-KR" spc="-150" dirty="0" smtClean="0">
+                <a:latin typeface="Consolas" panose="020B0609020204030204" pitchFamily="49" charset="0"/>
+              </a:rPr>
+              <a:t>print(L2)</a:t>
+            </a:r>
+            <a:endParaRPr lang="en-US" altLang="ko-KR" spc="-150" dirty="0">
+              <a:latin typeface="Consolas" panose="020B0609020204030204" pitchFamily="49" charset="0"/>
+            </a:endParaRPr>
           </a:p>
           <a:p>
             <a:pPr lvl="1"/>
